--- a/doc/꿀잠2_todolist_ppt.pptx
+++ b/doc/꿀잠2_todolist_ppt.pptx
@@ -11,7 +11,7 @@
     <p:sldId id="256" r:id="rId2"/>
     <p:sldId id="264" r:id="rId3"/>
     <p:sldId id="290" r:id="rId4"/>
-    <p:sldId id="265" r:id="rId5"/>
+    <p:sldId id="292" r:id="rId5"/>
     <p:sldId id="271" r:id="rId6"/>
     <p:sldId id="282" r:id="rId7"/>
     <p:sldId id="283" r:id="rId8"/>
@@ -38,19 +38,19 @@
   <p:notesSz cx="6858000" cy="9144000"/>
   <p:embeddedFontLst>
     <p:embeddedFont>
+      <p:font typeface="Calibri" panose="020F0502020204030204" pitchFamily="34" charset="0"/>
+      <p:regular r:id="rId28"/>
+      <p:bold r:id="rId29"/>
+      <p:italic r:id="rId30"/>
+      <p:boldItalic r:id="rId31"/>
+    </p:embeddedFont>
+    <p:embeddedFont>
       <p:font typeface="Neo둥근모 Pro" panose="02010503060201040203" pitchFamily="2" charset="-127"/>
-      <p:regular r:id="rId28"/>
+      <p:regular r:id="rId32"/>
     </p:embeddedFont>
     <p:embeddedFont>
       <p:font typeface="둥근모꼴" panose="020B0500000000000000" pitchFamily="50" charset="-127"/>
-      <p:regular r:id="rId29"/>
-    </p:embeddedFont>
-    <p:embeddedFont>
-      <p:font typeface="Calibri" panose="020F0502020204030204" pitchFamily="34" charset="0"/>
-      <p:regular r:id="rId30"/>
-      <p:bold r:id="rId31"/>
-      <p:italic r:id="rId32"/>
-      <p:boldItalic r:id="rId33"/>
+      <p:regular r:id="rId33"/>
     </p:embeddedFont>
     <p:embeddedFont>
       <p:font typeface="맑은 고딕" panose="020B0503020000020004" pitchFamily="50" charset="-127"/>
@@ -1412,6 +1412,14 @@
         </dgm:presLayoutVars>
       </dgm:prSet>
       <dgm:spPr/>
+      <dgm:t>
+        <a:bodyPr/>
+        <a:lstStyle/>
+        <a:p>
+          <a:pPr latinLnBrk="1"/>
+          <a:endParaRPr lang="ko-KR" altLang="en-US"/>
+        </a:p>
+      </dgm:t>
     </dgm:pt>
     <dgm:pt modelId="{C1AAEE89-73FB-4637-8FEB-8D053A95C092}" type="pres">
       <dgm:prSet presAssocID="{8F34BBD1-E693-458F-8E0C-E519E2A5F34F}" presName="rect1" presStyleLbl="alignImgPlace1" presStyleIdx="1" presStyleCnt="11"/>
@@ -1449,6 +1457,14 @@
         </dgm:presLayoutVars>
       </dgm:prSet>
       <dgm:spPr/>
+      <dgm:t>
+        <a:bodyPr/>
+        <a:lstStyle/>
+        <a:p>
+          <a:pPr latinLnBrk="1"/>
+          <a:endParaRPr lang="ko-KR" altLang="en-US"/>
+        </a:p>
+      </dgm:t>
     </dgm:pt>
     <dgm:pt modelId="{1118DF07-F8C6-41F2-9009-DAED4F0ECE4F}" type="pres">
       <dgm:prSet presAssocID="{C6EB518D-9543-48FB-84BF-D803CDC5E578}" presName="rect1" presStyleLbl="alignImgPlace1" presStyleIdx="2" presStyleCnt="11"/>
@@ -1486,6 +1502,14 @@
         </dgm:presLayoutVars>
       </dgm:prSet>
       <dgm:spPr/>
+      <dgm:t>
+        <a:bodyPr/>
+        <a:lstStyle/>
+        <a:p>
+          <a:pPr latinLnBrk="1"/>
+          <a:endParaRPr lang="ko-KR" altLang="en-US"/>
+        </a:p>
+      </dgm:t>
     </dgm:pt>
     <dgm:pt modelId="{0220F4CB-6270-47A6-A6F3-9DC95799D2E0}" type="pres">
       <dgm:prSet presAssocID="{9FA597A9-BD34-4709-8169-A708715BEE24}" presName="rect1" presStyleLbl="alignImgPlace1" presStyleIdx="3" presStyleCnt="11"/>
@@ -1523,6 +1547,14 @@
         </dgm:presLayoutVars>
       </dgm:prSet>
       <dgm:spPr/>
+      <dgm:t>
+        <a:bodyPr/>
+        <a:lstStyle/>
+        <a:p>
+          <a:pPr latinLnBrk="1"/>
+          <a:endParaRPr lang="ko-KR" altLang="en-US"/>
+        </a:p>
+      </dgm:t>
     </dgm:pt>
     <dgm:pt modelId="{9C45EA51-664C-4A09-BCCB-162C98098E47}" type="pres">
       <dgm:prSet presAssocID="{F21E78A4-73A0-47FF-A998-C71634B09153}" presName="rect1" presStyleLbl="alignImgPlace1" presStyleIdx="4" presStyleCnt="11"/>
@@ -1560,6 +1592,14 @@
         </dgm:presLayoutVars>
       </dgm:prSet>
       <dgm:spPr/>
+      <dgm:t>
+        <a:bodyPr/>
+        <a:lstStyle/>
+        <a:p>
+          <a:pPr latinLnBrk="1"/>
+          <a:endParaRPr lang="ko-KR" altLang="en-US"/>
+        </a:p>
+      </dgm:t>
     </dgm:pt>
     <dgm:pt modelId="{E76F8BAA-638D-4625-B788-D21E9C72FE5A}" type="pres">
       <dgm:prSet presAssocID="{0170F447-D307-4AE7-B4CA-C7F0F56CD6FE}" presName="rect1" presStyleLbl="alignImgPlace1" presStyleIdx="5" presStyleCnt="11"/>
@@ -1597,6 +1637,14 @@
         </dgm:presLayoutVars>
       </dgm:prSet>
       <dgm:spPr/>
+      <dgm:t>
+        <a:bodyPr/>
+        <a:lstStyle/>
+        <a:p>
+          <a:pPr latinLnBrk="1"/>
+          <a:endParaRPr lang="ko-KR" altLang="en-US"/>
+        </a:p>
+      </dgm:t>
     </dgm:pt>
     <dgm:pt modelId="{1EB3FB9D-4C97-456E-B318-1EEDBFAFAF74}" type="pres">
       <dgm:prSet presAssocID="{4F69CCB0-D2CF-4A4C-ACD9-7F0AC8F50F04}" presName="rect1" presStyleLbl="alignImgPlace1" presStyleIdx="6" presStyleCnt="11"/>
@@ -1634,6 +1682,14 @@
         </dgm:presLayoutVars>
       </dgm:prSet>
       <dgm:spPr/>
+      <dgm:t>
+        <a:bodyPr/>
+        <a:lstStyle/>
+        <a:p>
+          <a:pPr latinLnBrk="1"/>
+          <a:endParaRPr lang="ko-KR" altLang="en-US"/>
+        </a:p>
+      </dgm:t>
     </dgm:pt>
     <dgm:pt modelId="{49859067-4DA9-437C-B04F-BB2F913EA960}" type="pres">
       <dgm:prSet presAssocID="{802935B2-27C0-4127-9546-F086564DE330}" presName="rect1" presStyleLbl="alignImgPlace1" presStyleIdx="7" presStyleCnt="11"/>
@@ -1671,6 +1727,14 @@
         </dgm:presLayoutVars>
       </dgm:prSet>
       <dgm:spPr/>
+      <dgm:t>
+        <a:bodyPr/>
+        <a:lstStyle/>
+        <a:p>
+          <a:pPr latinLnBrk="1"/>
+          <a:endParaRPr lang="ko-KR" altLang="en-US"/>
+        </a:p>
+      </dgm:t>
     </dgm:pt>
     <dgm:pt modelId="{6F40DB00-8FBF-4F62-A2F8-A4DD61C0036A}" type="pres">
       <dgm:prSet presAssocID="{D142DDB7-7338-4E9E-9E04-DE4F0E4BD6CA}" presName="rect1" presStyleLbl="alignImgPlace1" presStyleIdx="8" presStyleCnt="11"/>
@@ -1708,6 +1772,14 @@
         </dgm:presLayoutVars>
       </dgm:prSet>
       <dgm:spPr/>
+      <dgm:t>
+        <a:bodyPr/>
+        <a:lstStyle/>
+        <a:p>
+          <a:pPr latinLnBrk="1"/>
+          <a:endParaRPr lang="ko-KR" altLang="en-US"/>
+        </a:p>
+      </dgm:t>
     </dgm:pt>
     <dgm:pt modelId="{0AD9CCBC-D01C-43AC-AC4F-62468EBF7E46}" type="pres">
       <dgm:prSet presAssocID="{5EDC2397-BEC1-4976-932B-BDAB78477583}" presName="rect1" presStyleLbl="alignImgPlace1" presStyleIdx="9" presStyleCnt="11"/>
@@ -1745,6 +1817,14 @@
         </dgm:presLayoutVars>
       </dgm:prSet>
       <dgm:spPr/>
+      <dgm:t>
+        <a:bodyPr/>
+        <a:lstStyle/>
+        <a:p>
+          <a:pPr latinLnBrk="1"/>
+          <a:endParaRPr lang="ko-KR" altLang="en-US"/>
+        </a:p>
+      </dgm:t>
     </dgm:pt>
     <dgm:pt modelId="{78D28A29-5FCD-49E8-9778-AB3E1DA67B5B}" type="pres">
       <dgm:prSet presAssocID="{3A5DB948-65FA-4518-9F13-7A90F958B228}" presName="rect1" presStyleLbl="alignImgPlace1" presStyleIdx="10" presStyleCnt="11"/>
@@ -1769,29 +1849,29 @@
     </dgm:pt>
   </dgm:ptLst>
   <dgm:cxnLst>
-    <dgm:cxn modelId="{2262FDCD-1ADD-4AF3-BC77-F84E3C1E8EDD}" type="presOf" srcId="{802935B2-27C0-4127-9546-F086564DE330}" destId="{62D78A32-9748-408C-A2D3-7BE16923BBAC}" srcOrd="0" destOrd="0" presId="urn:microsoft.com/office/officeart/2008/layout/PictureGrid"/>
-    <dgm:cxn modelId="{9840ED30-0841-459D-AD61-7E0E8FBE96E1}" srcId="{1AB286D4-0AAB-43CE-951D-73B009E332F8}" destId="{8F34BBD1-E693-458F-8E0C-E519E2A5F34F}" srcOrd="1" destOrd="0" parTransId="{8E4B1C15-B576-4D21-B45C-19B3303BE559}" sibTransId="{DA834A92-1E62-40F1-863E-71430AA46724}"/>
-    <dgm:cxn modelId="{4A6B53CB-E508-486D-A711-86BD8C98631C}" type="presOf" srcId="{C6EB518D-9543-48FB-84BF-D803CDC5E578}" destId="{51C53CEC-5060-44DA-AE77-C7B856D0FC0B}" srcOrd="0" destOrd="0" presId="urn:microsoft.com/office/officeart/2008/layout/PictureGrid"/>
     <dgm:cxn modelId="{AAB90215-FBEB-47C0-A3FF-956ED8B76017}" type="presOf" srcId="{3A5DB948-65FA-4518-9F13-7A90F958B228}" destId="{D7A5DC34-706B-4C2E-888D-BEF8047CBAFF}" srcOrd="0" destOrd="0" presId="urn:microsoft.com/office/officeart/2008/layout/PictureGrid"/>
-    <dgm:cxn modelId="{4D8B9862-FA1D-4C31-8274-7B10BCFB0FB2}" type="presOf" srcId="{5EDC2397-BEC1-4976-932B-BDAB78477583}" destId="{BED220B0-43A8-4DBF-8B0E-37E8E00DA174}" srcOrd="0" destOrd="0" presId="urn:microsoft.com/office/officeart/2008/layout/PictureGrid"/>
-    <dgm:cxn modelId="{E01C1C96-54C7-47A1-838D-BA04A5F53F95}" srcId="{1AB286D4-0AAB-43CE-951D-73B009E332F8}" destId="{F21E78A4-73A0-47FF-A998-C71634B09153}" srcOrd="4" destOrd="0" parTransId="{03BC43DD-9891-441D-AD43-8AC876276FA7}" sibTransId="{EF31E6AB-7EB9-4663-AE32-09C5584A954B}"/>
     <dgm:cxn modelId="{7FE01BBF-7ED1-4C57-8BCF-5965A5F4ADEC}" srcId="{1AB286D4-0AAB-43CE-951D-73B009E332F8}" destId="{C6EB518D-9543-48FB-84BF-D803CDC5E578}" srcOrd="2" destOrd="0" parTransId="{98736BE8-4A48-4AAA-9BD1-6F74F16203C8}" sibTransId="{83543202-BE81-416C-8B7F-5CF5698A516A}"/>
     <dgm:cxn modelId="{CAE9F73C-9C70-49A9-BA74-EB3D1388C15A}" type="presOf" srcId="{9FA597A9-BD34-4709-8169-A708715BEE24}" destId="{3FA00F95-137E-46AA-821C-00A311EF8270}" srcOrd="0" destOrd="0" presId="urn:microsoft.com/office/officeart/2008/layout/PictureGrid"/>
+    <dgm:cxn modelId="{7FD044DB-34B0-4814-8A68-F11D042DE6FD}" type="presOf" srcId="{F21E78A4-73A0-47FF-A998-C71634B09153}" destId="{86476B74-7484-4649-9632-23C5C3722047}" srcOrd="0" destOrd="0" presId="urn:microsoft.com/office/officeart/2008/layout/PictureGrid"/>
+    <dgm:cxn modelId="{9840ED30-0841-459D-AD61-7E0E8FBE96E1}" srcId="{1AB286D4-0AAB-43CE-951D-73B009E332F8}" destId="{8F34BBD1-E693-458F-8E0C-E519E2A5F34F}" srcOrd="1" destOrd="0" parTransId="{8E4B1C15-B576-4D21-B45C-19B3303BE559}" sibTransId="{DA834A92-1E62-40F1-863E-71430AA46724}"/>
+    <dgm:cxn modelId="{28E488D7-1CAA-4C61-997D-602E3E5C5E55}" srcId="{1AB286D4-0AAB-43CE-951D-73B009E332F8}" destId="{0170F447-D307-4AE7-B4CA-C7F0F56CD6FE}" srcOrd="5" destOrd="0" parTransId="{2ADE2087-43B8-4A1B-8DA7-65032890BDED}" sibTransId="{E6C34130-CF1D-4F0C-958D-2D745C24EF9B}"/>
+    <dgm:cxn modelId="{B0BB3A9A-2FBB-43AC-AC11-D67D7B83672D}" srcId="{1AB286D4-0AAB-43CE-951D-73B009E332F8}" destId="{4F69CCB0-D2CF-4A4C-ACD9-7F0AC8F50F04}" srcOrd="6" destOrd="0" parTransId="{AA2F0344-C83C-4724-9F7B-CFBEF950EEA2}" sibTransId="{3F166F99-B6DE-4780-B918-8637CD73B514}"/>
+    <dgm:cxn modelId="{2262FDCD-1ADD-4AF3-BC77-F84E3C1E8EDD}" type="presOf" srcId="{802935B2-27C0-4127-9546-F086564DE330}" destId="{62D78A32-9748-408C-A2D3-7BE16923BBAC}" srcOrd="0" destOrd="0" presId="urn:microsoft.com/office/officeart/2008/layout/PictureGrid"/>
+    <dgm:cxn modelId="{E4FF7477-BD7F-4357-9974-E737B7EEC032}" srcId="{1AB286D4-0AAB-43CE-951D-73B009E332F8}" destId="{5EDC2397-BEC1-4976-932B-BDAB78477583}" srcOrd="9" destOrd="0" parTransId="{C2EA3ED0-4CE6-40F1-AF83-F66083BA1503}" sibTransId="{32014308-749E-4298-9B61-783AD8EF27F3}"/>
+    <dgm:cxn modelId="{C7C9D0F1-382E-4519-A1B0-2ECFE3839045}" type="presOf" srcId="{0170F447-D307-4AE7-B4CA-C7F0F56CD6FE}" destId="{8A24AF25-932D-473F-9226-2C6114A0D5AD}" srcOrd="0" destOrd="0" presId="urn:microsoft.com/office/officeart/2008/layout/PictureGrid"/>
+    <dgm:cxn modelId="{4D8B9862-FA1D-4C31-8274-7B10BCFB0FB2}" type="presOf" srcId="{5EDC2397-BEC1-4976-932B-BDAB78477583}" destId="{BED220B0-43A8-4DBF-8B0E-37E8E00DA174}" srcOrd="0" destOrd="0" presId="urn:microsoft.com/office/officeart/2008/layout/PictureGrid"/>
+    <dgm:cxn modelId="{4A6B53CB-E508-486D-A711-86BD8C98631C}" type="presOf" srcId="{C6EB518D-9543-48FB-84BF-D803CDC5E578}" destId="{51C53CEC-5060-44DA-AE77-C7B856D0FC0B}" srcOrd="0" destOrd="0" presId="urn:microsoft.com/office/officeart/2008/layout/PictureGrid"/>
+    <dgm:cxn modelId="{8B844607-05B1-49AF-88F0-E87C99F09E39}" type="presOf" srcId="{4FC691F8-4AF0-493C-99DE-1AA929631DAC}" destId="{1E7F573A-4B07-47BB-8581-521416C1220D}" srcOrd="0" destOrd="0" presId="urn:microsoft.com/office/officeart/2008/layout/PictureGrid"/>
+    <dgm:cxn modelId="{D84C87A1-2D7C-40BC-8DA9-6C4FC1177198}" srcId="{1AB286D4-0AAB-43CE-951D-73B009E332F8}" destId="{802935B2-27C0-4127-9546-F086564DE330}" srcOrd="7" destOrd="0" parTransId="{55F97473-11BC-4050-A81C-72C9341D98DC}" sibTransId="{554A97A2-1862-4CA3-8116-782EEA5C2BCB}"/>
+    <dgm:cxn modelId="{409F0159-3844-41BB-88F9-26965E31C2B0}" srcId="{1AB286D4-0AAB-43CE-951D-73B009E332F8}" destId="{D142DDB7-7338-4E9E-9E04-DE4F0E4BD6CA}" srcOrd="8" destOrd="0" parTransId="{08AC71FB-6611-4B05-BB81-363D986434AC}" sibTransId="{A8794EA2-D502-4F3E-899A-5088E910FCB1}"/>
+    <dgm:cxn modelId="{776515F5-ED9E-412D-8EEE-B0F6AAB65D85}" type="presOf" srcId="{8F34BBD1-E693-458F-8E0C-E519E2A5F34F}" destId="{A1EE2972-A0BD-415A-95CA-9524C9E57FAB}" srcOrd="0" destOrd="0" presId="urn:microsoft.com/office/officeart/2008/layout/PictureGrid"/>
+    <dgm:cxn modelId="{6D1C566C-2CFA-4A8F-A7DF-4B7644D8781A}" type="presOf" srcId="{1AB286D4-0AAB-43CE-951D-73B009E332F8}" destId="{DEB04A85-9FAB-4536-9B06-9F5FD9EB9D58}" srcOrd="0" destOrd="0" presId="urn:microsoft.com/office/officeart/2008/layout/PictureGrid"/>
+    <dgm:cxn modelId="{AFB74B24-A5CE-4118-B93A-FFA5BDF2FE42}" type="presOf" srcId="{D142DDB7-7338-4E9E-9E04-DE4F0E4BD6CA}" destId="{5769B165-22E2-4107-A324-415F9CEF6F77}" srcOrd="0" destOrd="0" presId="urn:microsoft.com/office/officeart/2008/layout/PictureGrid"/>
+    <dgm:cxn modelId="{E215093A-3318-4EF9-8854-403A09873FA7}" type="presOf" srcId="{4F69CCB0-D2CF-4A4C-ACD9-7F0AC8F50F04}" destId="{5B385C00-6C7A-4148-AE48-343FB3B9430C}" srcOrd="0" destOrd="0" presId="urn:microsoft.com/office/officeart/2008/layout/PictureGrid"/>
+    <dgm:cxn modelId="{9B9B286D-0DC8-451D-B57C-A8407C200689}" srcId="{1AB286D4-0AAB-43CE-951D-73B009E332F8}" destId="{4FC691F8-4AF0-493C-99DE-1AA929631DAC}" srcOrd="0" destOrd="0" parTransId="{6CD78F75-7F06-4A27-9FF2-4EC4BB20FA82}" sibTransId="{E92DE14D-4AA3-4E1D-9926-3F88E55F20F7}"/>
+    <dgm:cxn modelId="{E01C1C96-54C7-47A1-838D-BA04A5F53F95}" srcId="{1AB286D4-0AAB-43CE-951D-73B009E332F8}" destId="{F21E78A4-73A0-47FF-A998-C71634B09153}" srcOrd="4" destOrd="0" parTransId="{03BC43DD-9891-441D-AD43-8AC876276FA7}" sibTransId="{EF31E6AB-7EB9-4663-AE32-09C5584A954B}"/>
     <dgm:cxn modelId="{E974D008-E63B-4AC9-8965-75630D92DAA6}" srcId="{1AB286D4-0AAB-43CE-951D-73B009E332F8}" destId="{3A5DB948-65FA-4518-9F13-7A90F958B228}" srcOrd="10" destOrd="0" parTransId="{7CDFDE35-5551-4BF4-B720-10846A11FC12}" sibTransId="{AF8B2D47-5803-4DC9-9F07-19CE829607BE}"/>
-    <dgm:cxn modelId="{C7C9D0F1-382E-4519-A1B0-2ECFE3839045}" type="presOf" srcId="{0170F447-D307-4AE7-B4CA-C7F0F56CD6FE}" destId="{8A24AF25-932D-473F-9226-2C6114A0D5AD}" srcOrd="0" destOrd="0" presId="urn:microsoft.com/office/officeart/2008/layout/PictureGrid"/>
-    <dgm:cxn modelId="{8B844607-05B1-49AF-88F0-E87C99F09E39}" type="presOf" srcId="{4FC691F8-4AF0-493C-99DE-1AA929631DAC}" destId="{1E7F573A-4B07-47BB-8581-521416C1220D}" srcOrd="0" destOrd="0" presId="urn:microsoft.com/office/officeart/2008/layout/PictureGrid"/>
-    <dgm:cxn modelId="{AFB74B24-A5CE-4118-B93A-FFA5BDF2FE42}" type="presOf" srcId="{D142DDB7-7338-4E9E-9E04-DE4F0E4BD6CA}" destId="{5769B165-22E2-4107-A324-415F9CEF6F77}" srcOrd="0" destOrd="0" presId="urn:microsoft.com/office/officeart/2008/layout/PictureGrid"/>
-    <dgm:cxn modelId="{776515F5-ED9E-412D-8EEE-B0F6AAB65D85}" type="presOf" srcId="{8F34BBD1-E693-458F-8E0C-E519E2A5F34F}" destId="{A1EE2972-A0BD-415A-95CA-9524C9E57FAB}" srcOrd="0" destOrd="0" presId="urn:microsoft.com/office/officeart/2008/layout/PictureGrid"/>
-    <dgm:cxn modelId="{D84C87A1-2D7C-40BC-8DA9-6C4FC1177198}" srcId="{1AB286D4-0AAB-43CE-951D-73B009E332F8}" destId="{802935B2-27C0-4127-9546-F086564DE330}" srcOrd="7" destOrd="0" parTransId="{55F97473-11BC-4050-A81C-72C9341D98DC}" sibTransId="{554A97A2-1862-4CA3-8116-782EEA5C2BCB}"/>
-    <dgm:cxn modelId="{28E488D7-1CAA-4C61-997D-602E3E5C5E55}" srcId="{1AB286D4-0AAB-43CE-951D-73B009E332F8}" destId="{0170F447-D307-4AE7-B4CA-C7F0F56CD6FE}" srcOrd="5" destOrd="0" parTransId="{2ADE2087-43B8-4A1B-8DA7-65032890BDED}" sibTransId="{E6C34130-CF1D-4F0C-958D-2D745C24EF9B}"/>
-    <dgm:cxn modelId="{E215093A-3318-4EF9-8854-403A09873FA7}" type="presOf" srcId="{4F69CCB0-D2CF-4A4C-ACD9-7F0AC8F50F04}" destId="{5B385C00-6C7A-4148-AE48-343FB3B9430C}" srcOrd="0" destOrd="0" presId="urn:microsoft.com/office/officeart/2008/layout/PictureGrid"/>
-    <dgm:cxn modelId="{7FD044DB-34B0-4814-8A68-F11D042DE6FD}" type="presOf" srcId="{F21E78A4-73A0-47FF-A998-C71634B09153}" destId="{86476B74-7484-4649-9632-23C5C3722047}" srcOrd="0" destOrd="0" presId="urn:microsoft.com/office/officeart/2008/layout/PictureGrid"/>
-    <dgm:cxn modelId="{6D1C566C-2CFA-4A8F-A7DF-4B7644D8781A}" type="presOf" srcId="{1AB286D4-0AAB-43CE-951D-73B009E332F8}" destId="{DEB04A85-9FAB-4536-9B06-9F5FD9EB9D58}" srcOrd="0" destOrd="0" presId="urn:microsoft.com/office/officeart/2008/layout/PictureGrid"/>
-    <dgm:cxn modelId="{409F0159-3844-41BB-88F9-26965E31C2B0}" srcId="{1AB286D4-0AAB-43CE-951D-73B009E332F8}" destId="{D142DDB7-7338-4E9E-9E04-DE4F0E4BD6CA}" srcOrd="8" destOrd="0" parTransId="{08AC71FB-6611-4B05-BB81-363D986434AC}" sibTransId="{A8794EA2-D502-4F3E-899A-5088E910FCB1}"/>
-    <dgm:cxn modelId="{9B9B286D-0DC8-451D-B57C-A8407C200689}" srcId="{1AB286D4-0AAB-43CE-951D-73B009E332F8}" destId="{4FC691F8-4AF0-493C-99DE-1AA929631DAC}" srcOrd="0" destOrd="0" parTransId="{6CD78F75-7F06-4A27-9FF2-4EC4BB20FA82}" sibTransId="{E92DE14D-4AA3-4E1D-9926-3F88E55F20F7}"/>
     <dgm:cxn modelId="{3161C3C2-A40F-42A9-8FD7-8AD9566BBB8E}" srcId="{1AB286D4-0AAB-43CE-951D-73B009E332F8}" destId="{9FA597A9-BD34-4709-8169-A708715BEE24}" srcOrd="3" destOrd="0" parTransId="{B08C7221-C274-4132-8520-ED1925BAA858}" sibTransId="{8E8A8B06-50BC-43B3-87BA-11E14CACC501}"/>
-    <dgm:cxn modelId="{E4FF7477-BD7F-4357-9974-E737B7EEC032}" srcId="{1AB286D4-0AAB-43CE-951D-73B009E332F8}" destId="{5EDC2397-BEC1-4976-932B-BDAB78477583}" srcOrd="9" destOrd="0" parTransId="{C2EA3ED0-4CE6-40F1-AF83-F66083BA1503}" sibTransId="{32014308-749E-4298-9B61-783AD8EF27F3}"/>
-    <dgm:cxn modelId="{B0BB3A9A-2FBB-43AC-AC11-D67D7B83672D}" srcId="{1AB286D4-0AAB-43CE-951D-73B009E332F8}" destId="{4F69CCB0-D2CF-4A4C-ACD9-7F0AC8F50F04}" srcOrd="6" destOrd="0" parTransId="{AA2F0344-C83C-4724-9F7B-CFBEF950EEA2}" sibTransId="{3F166F99-B6DE-4780-B918-8637CD73B514}"/>
     <dgm:cxn modelId="{82E73AE8-0FBC-49B7-952D-3CC724F913D1}" type="presParOf" srcId="{DEB04A85-9FAB-4536-9B06-9F5FD9EB9D58}" destId="{6C300FF8-221B-4EFC-9662-8F1AA7DE1350}" srcOrd="0" destOrd="0" presId="urn:microsoft.com/office/officeart/2008/layout/PictureGrid"/>
     <dgm:cxn modelId="{5C2A1469-8A6C-4718-949E-3A99399CD9C7}" type="presParOf" srcId="{6C300FF8-221B-4EFC-9662-8F1AA7DE1350}" destId="{1E7F573A-4B07-47BB-8581-521416C1220D}" srcOrd="0" destOrd="0" presId="urn:microsoft.com/office/officeart/2008/layout/PictureGrid"/>
     <dgm:cxn modelId="{76657FD0-9AED-4D94-85B4-8A58ED17D19D}" type="presParOf" srcId="{6C300FF8-221B-4EFC-9662-8F1AA7DE1350}" destId="{9092C5E1-6259-4271-AC2E-8509553980FC}" srcOrd="1" destOrd="0" presId="urn:microsoft.com/office/officeart/2008/layout/PictureGrid"/>
@@ -30710,7 +30790,7 @@
         <p:spPr>
           <a:xfrm>
             <a:off x="1451365" y="3602758"/>
-            <a:ext cx="1938215" cy="1477328"/>
+            <a:ext cx="1938215" cy="1338828"/>
           </a:xfrm>
           <a:prstGeom prst="rect">
             <a:avLst/>
@@ -30749,10 +30829,10 @@
               <a:buChar char="-"/>
             </a:pPr>
             <a:r>
-              <a:rPr lang="ko-KR" altLang="en-US" dirty="0" smtClean="0"/>
+              <a:rPr lang="ko-KR" altLang="en-US" sz="1500" dirty="0" smtClean="0"/>
               <a:t>상세 페이지</a:t>
             </a:r>
-            <a:endParaRPr lang="en-US" altLang="ko-KR" dirty="0" smtClean="0"/>
+            <a:endParaRPr lang="en-US" altLang="ko-KR" sz="1500" dirty="0" smtClean="0"/>
           </a:p>
           <a:p>
             <a:pPr marL="285750" indent="-285750">
@@ -30760,10 +30840,10 @@
               <a:buChar char="-"/>
             </a:pPr>
             <a:r>
-              <a:rPr lang="ko-KR" altLang="en-US" dirty="0" smtClean="0"/>
+              <a:rPr lang="ko-KR" altLang="en-US" sz="1500" dirty="0" smtClean="0"/>
               <a:t>페이지 디자인</a:t>
             </a:r>
-            <a:endParaRPr lang="en-US" altLang="ko-KR" dirty="0"/>
+            <a:endParaRPr lang="en-US" altLang="ko-KR" sz="1500" dirty="0"/>
           </a:p>
           <a:p>
             <a:pPr marL="285750" indent="-285750">
@@ -30771,10 +30851,10 @@
               <a:buChar char="-"/>
             </a:pPr>
             <a:r>
-              <a:rPr lang="ko-KR" altLang="en-US" smtClean="0"/>
+              <a:rPr lang="ko-KR" altLang="en-US" sz="1500" dirty="0" smtClean="0"/>
               <a:t>메인 페이지</a:t>
             </a:r>
-            <a:endParaRPr lang="ko-KR" altLang="en-US" dirty="0"/>
+            <a:endParaRPr lang="ko-KR" altLang="en-US" sz="1500" dirty="0"/>
           </a:p>
         </p:txBody>
       </p:sp>
@@ -30787,7 +30867,7 @@
         <p:spPr>
           <a:xfrm>
             <a:off x="3855078" y="3567156"/>
-            <a:ext cx="1938215" cy="1477328"/>
+            <a:ext cx="1938215" cy="1615827"/>
           </a:xfrm>
           <a:prstGeom prst="rect">
             <a:avLst/>
@@ -30830,10 +30910,10 @@
               <a:buChar char="-"/>
             </a:pPr>
             <a:r>
-              <a:rPr lang="ko-KR" altLang="en-US" dirty="0" smtClean="0"/>
+              <a:rPr lang="ko-KR" altLang="en-US" sz="1500" dirty="0" smtClean="0"/>
               <a:t>작성 페이지</a:t>
             </a:r>
-            <a:endParaRPr lang="en-US" altLang="ko-KR" dirty="0" smtClean="0"/>
+            <a:endParaRPr lang="en-US" altLang="ko-KR" sz="1500" dirty="0" smtClean="0"/>
           </a:p>
           <a:p>
             <a:pPr marL="285750" indent="-285750">
@@ -30841,10 +30921,20 @@
               <a:buChar char="-"/>
             </a:pPr>
             <a:r>
-              <a:rPr lang="ko-KR" altLang="en-US" dirty="0" smtClean="0"/>
+              <a:rPr lang="ko-KR" altLang="en-US" sz="1500" dirty="0" smtClean="0"/>
               <a:t>수정 페이지</a:t>
             </a:r>
-            <a:endParaRPr lang="en-US" altLang="ko-KR" dirty="0" smtClean="0"/>
+            <a:endParaRPr lang="en-US" altLang="ko-KR" sz="1500" dirty="0" smtClean="0"/>
+          </a:p>
+          <a:p>
+            <a:pPr marL="285750" indent="-285750">
+              <a:buFontTx/>
+              <a:buChar char="-"/>
+            </a:pPr>
+            <a:r>
+              <a:rPr lang="ko-KR" altLang="en-US" sz="1500" dirty="0"/>
+              <a:t>입력 검색 페이지</a:t>
+            </a:r>
           </a:p>
           <a:p>
             <a:pPr marL="285750" indent="-285750">
@@ -30864,7 +30954,7 @@
         <p:spPr>
           <a:xfrm>
             <a:off x="6342435" y="3602758"/>
-            <a:ext cx="1938215" cy="1477328"/>
+            <a:ext cx="1938215" cy="1615827"/>
           </a:xfrm>
           <a:prstGeom prst="rect">
             <a:avLst/>
@@ -30903,14 +30993,14 @@
           </a:p>
           <a:p>
             <a:r>
-              <a:rPr lang="en-US" altLang="ko-KR" dirty="0" smtClean="0"/>
+              <a:rPr lang="en-US" altLang="ko-KR" sz="1500" dirty="0" smtClean="0"/>
               <a:t>-  </a:t>
             </a:r>
             <a:r>
-              <a:rPr lang="ko-KR" altLang="en-US" dirty="0" smtClean="0"/>
+              <a:rPr lang="ko-KR" altLang="en-US" sz="1500" dirty="0" smtClean="0"/>
               <a:t>리스트  페이지</a:t>
             </a:r>
-            <a:endParaRPr lang="en-US" altLang="ko-KR" dirty="0" smtClean="0"/>
+            <a:endParaRPr lang="en-US" altLang="ko-KR" sz="1500" dirty="0" smtClean="0"/>
           </a:p>
           <a:p>
             <a:pPr marL="285750" indent="-285750">
@@ -30918,14 +31008,14 @@
               <a:buChar char="-"/>
             </a:pPr>
             <a:r>
-              <a:rPr lang="ko-KR" altLang="en-US" dirty="0" smtClean="0"/>
+              <a:rPr lang="ko-KR" altLang="en-US" sz="1500" dirty="0" smtClean="0"/>
               <a:t>검색 </a:t>
             </a:r>
             <a:r>
-              <a:rPr lang="ko-KR" altLang="en-US" dirty="0" smtClean="0"/>
+              <a:rPr lang="ko-KR" altLang="en-US" sz="1500" dirty="0" smtClean="0"/>
               <a:t>페이지</a:t>
             </a:r>
-            <a:endParaRPr lang="en-US" altLang="ko-KR" dirty="0"/>
+            <a:endParaRPr lang="en-US" altLang="ko-KR" sz="1500" dirty="0" smtClean="0"/>
           </a:p>
           <a:p>
             <a:pPr marL="285750" indent="-285750">
@@ -30933,10 +31023,17 @@
               <a:buChar char="-"/>
             </a:pPr>
             <a:r>
-              <a:rPr lang="ko-KR" altLang="en-US" dirty="0" smtClean="0"/>
-              <a:t>통계 페이지</a:t>
+              <a:rPr lang="ko-KR" altLang="en-US" sz="1500" dirty="0" err="1" smtClean="0"/>
+              <a:t>통계페이지</a:t>
             </a:r>
-            <a:endParaRPr lang="en-US" altLang="ko-KR" dirty="0" smtClean="0"/>
+            <a:endParaRPr lang="en-US" altLang="ko-KR" sz="1500" dirty="0" smtClean="0"/>
+          </a:p>
+          <a:p>
+            <a:pPr marL="285750" indent="-285750">
+              <a:buFontTx/>
+              <a:buChar char="-"/>
+            </a:pPr>
+            <a:endParaRPr lang="ko-KR" altLang="en-US" dirty="0"/>
           </a:p>
         </p:txBody>
       </p:sp>
@@ -30949,7 +31046,7 @@
         <p:spPr>
           <a:xfrm>
             <a:off x="8764654" y="3602758"/>
-            <a:ext cx="1938215" cy="1200329"/>
+            <a:ext cx="1938215" cy="1292662"/>
           </a:xfrm>
           <a:prstGeom prst="rect">
             <a:avLst/>
@@ -30992,7 +31089,7 @@
             </a:r>
           </a:p>
           <a:p>
-            <a:endParaRPr lang="en-US" altLang="ko-KR" dirty="0"/>
+            <a:endParaRPr lang="en-US" altLang="ko-KR" sz="1500" dirty="0"/>
           </a:p>
           <a:p>
             <a:pPr marL="285750" indent="-285750">
@@ -31000,10 +31097,10 @@
               <a:buChar char="-"/>
             </a:pPr>
             <a:r>
-              <a:rPr lang="ko-KR" altLang="en-US" dirty="0" smtClean="0"/>
+              <a:rPr lang="ko-KR" altLang="en-US" sz="1500" dirty="0" smtClean="0"/>
               <a:t>작성 페이지</a:t>
             </a:r>
-            <a:endParaRPr lang="en-US" altLang="ko-KR" dirty="0" smtClean="0"/>
+            <a:endParaRPr lang="en-US" altLang="ko-KR" sz="1500" dirty="0" smtClean="0"/>
           </a:p>
           <a:p>
             <a:pPr marL="285750" indent="-285750">
@@ -31011,14 +31108,21 @@
               <a:buChar char="-"/>
             </a:pPr>
             <a:r>
-              <a:rPr lang="ko-KR" altLang="en-US" dirty="0" smtClean="0"/>
-              <a:t>삭제 </a:t>
+              <a:rPr lang="ko-KR" altLang="en-US" sz="1500" dirty="0" smtClean="0"/>
+              <a:t>삭제 페이지</a:t>
             </a:r>
+            <a:endParaRPr lang="en-US" altLang="ko-KR" sz="1500" dirty="0" smtClean="0"/>
+          </a:p>
+          <a:p>
+            <a:pPr marL="285750" indent="-285750">
+              <a:buFontTx/>
+              <a:buChar char="-"/>
+            </a:pPr>
             <a:r>
-              <a:rPr lang="ko-KR" altLang="en-US" dirty="0" smtClean="0"/>
-              <a:t>페이지</a:t>
+              <a:rPr lang="ko-KR" altLang="en-US" sz="1500" dirty="0" smtClean="0"/>
+              <a:t>입력 검색 페이지</a:t>
             </a:r>
-            <a:endParaRPr lang="en-US" altLang="ko-KR" dirty="0" smtClean="0"/>
+            <a:endParaRPr lang="ko-KR" altLang="en-US" sz="1500" dirty="0"/>
           </a:p>
         </p:txBody>
       </p:sp>
@@ -31175,7 +31279,7 @@
     </p:spTree>
     <p:extLst>
       <p:ext uri="{BB962C8B-B14F-4D97-AF65-F5344CB8AC3E}">
-        <p14:creationId xmlns:p14="http://schemas.microsoft.com/office/powerpoint/2010/main" val="707346436"/>
+        <p14:creationId xmlns:p14="http://schemas.microsoft.com/office/powerpoint/2010/main" val="3096596931"/>
       </p:ext>
     </p:extLst>
   </p:cSld>
